--- a/ppt 16-9/0331.洗罪之泉.pptx
+++ b/ppt 16-9/0331.洗罪之泉.pptx
@@ -129,7 +129,7 @@
           <p:cNvPr id="2" name="标题 1">
             <a:extLst>
               <a:ext uri="{FF2B5EF4-FFF2-40B4-BE49-F238E27FC236}">
-                <a16:creationId xmlns:a16="http://schemas.microsoft.com/office/drawing/2014/main" id="{8A532CFE-E9DF-53A5-AB1D-C966438F2053}"/>
+                <a16:creationId xmlns:a16="http://schemas.microsoft.com/office/drawing/2014/main" id="{660B8235-9C9F-4507-7B54-4BB9F2AE8BC0}"/>
               </a:ext>
             </a:extLst>
           </p:cNvPr>
@@ -166,7 +166,7 @@
           <p:cNvPr id="3" name="副标题 2">
             <a:extLst>
               <a:ext uri="{FF2B5EF4-FFF2-40B4-BE49-F238E27FC236}">
-                <a16:creationId xmlns:a16="http://schemas.microsoft.com/office/drawing/2014/main" id="{830D2860-6E86-6003-7D85-6D58A3CB7376}"/>
+                <a16:creationId xmlns:a16="http://schemas.microsoft.com/office/drawing/2014/main" id="{CEEA4878-146E-60E2-AE31-777984A1E9BC}"/>
               </a:ext>
             </a:extLst>
           </p:cNvPr>
@@ -236,7 +236,7 @@
           <p:cNvPr id="4" name="日期占位符 3">
             <a:extLst>
               <a:ext uri="{FF2B5EF4-FFF2-40B4-BE49-F238E27FC236}">
-                <a16:creationId xmlns:a16="http://schemas.microsoft.com/office/drawing/2014/main" id="{624C1538-308D-B40C-282D-25CFE8B1F8FB}"/>
+                <a16:creationId xmlns:a16="http://schemas.microsoft.com/office/drawing/2014/main" id="{0C4450CE-A78F-A1AD-7332-6FCDDAA768A0}"/>
               </a:ext>
             </a:extLst>
           </p:cNvPr>
@@ -252,7 +252,7 @@
           <a:bodyPr/>
           <a:lstStyle/>
           <a:p>
-            <a:fld id="{4DBB58D8-5EA2-44BB-84BD-21BBCE947335}" type="datetimeFigureOut">
+            <a:fld id="{DC489A9E-EC71-4A2A-9C55-3275AFCDE8BF}" type="datetimeFigureOut">
               <a:rPr lang="zh-CN" altLang="en-US" smtClean="0"/>
               <a:t>2024/3/10</a:t>
             </a:fld>
@@ -265,7 +265,7 @@
           <p:cNvPr id="5" name="页脚占位符 4">
             <a:extLst>
               <a:ext uri="{FF2B5EF4-FFF2-40B4-BE49-F238E27FC236}">
-                <a16:creationId xmlns:a16="http://schemas.microsoft.com/office/drawing/2014/main" id="{C00C7A75-4316-4201-C8B8-D7D81A85B19F}"/>
+                <a16:creationId xmlns:a16="http://schemas.microsoft.com/office/drawing/2014/main" id="{A74D9EFC-8D6E-019F-A8FF-D895FE188CBC}"/>
               </a:ext>
             </a:extLst>
           </p:cNvPr>
@@ -290,7 +290,7 @@
           <p:cNvPr id="6" name="灯片编号占位符 5">
             <a:extLst>
               <a:ext uri="{FF2B5EF4-FFF2-40B4-BE49-F238E27FC236}">
-                <a16:creationId xmlns:a16="http://schemas.microsoft.com/office/drawing/2014/main" id="{9648DDD7-9C1D-C952-02E5-A70B50A3408B}"/>
+                <a16:creationId xmlns:a16="http://schemas.microsoft.com/office/drawing/2014/main" id="{8B312839-1378-0BE4-ABCF-3EA66403CE57}"/>
               </a:ext>
             </a:extLst>
           </p:cNvPr>
@@ -306,7 +306,7 @@
           <a:bodyPr/>
           <a:lstStyle/>
           <a:p>
-            <a:fld id="{63F0D2A6-45F1-4D84-A901-9A14B0043A01}" type="slidenum">
+            <a:fld id="{42112FC4-F885-4A55-A3E9-0209B3C2E2D4}" type="slidenum">
               <a:rPr lang="zh-CN" altLang="en-US" smtClean="0"/>
               <a:t>‹#›</a:t>
             </a:fld>
@@ -317,7 +317,7 @@
     </p:spTree>
     <p:extLst>
       <p:ext uri="{BB962C8B-B14F-4D97-AF65-F5344CB8AC3E}">
-        <p14:creationId xmlns:p14="http://schemas.microsoft.com/office/powerpoint/2010/main" val="4246689862"/>
+        <p14:creationId xmlns:p14="http://schemas.microsoft.com/office/powerpoint/2010/main" val="1018307729"/>
       </p:ext>
     </p:extLst>
   </p:cSld>
@@ -349,7 +349,7 @@
           <p:cNvPr id="2" name="标题 1">
             <a:extLst>
               <a:ext uri="{FF2B5EF4-FFF2-40B4-BE49-F238E27FC236}">
-                <a16:creationId xmlns:a16="http://schemas.microsoft.com/office/drawing/2014/main" id="{2DA7C774-8C43-B0A6-39B3-739225E06664}"/>
+                <a16:creationId xmlns:a16="http://schemas.microsoft.com/office/drawing/2014/main" id="{C0BCE6E1-DD16-B99B-DF37-15C45CCC5434}"/>
               </a:ext>
             </a:extLst>
           </p:cNvPr>
@@ -377,7 +377,7 @@
           <p:cNvPr id="3" name="竖排文字占位符 2">
             <a:extLst>
               <a:ext uri="{FF2B5EF4-FFF2-40B4-BE49-F238E27FC236}">
-                <a16:creationId xmlns:a16="http://schemas.microsoft.com/office/drawing/2014/main" id="{867EA0A7-5770-CB75-9D47-61131BB473EA}"/>
+                <a16:creationId xmlns:a16="http://schemas.microsoft.com/office/drawing/2014/main" id="{241E430C-9F3A-E9CE-806E-D3D40CE897ED}"/>
               </a:ext>
             </a:extLst>
           </p:cNvPr>
@@ -434,7 +434,7 @@
           <p:cNvPr id="4" name="日期占位符 3">
             <a:extLst>
               <a:ext uri="{FF2B5EF4-FFF2-40B4-BE49-F238E27FC236}">
-                <a16:creationId xmlns:a16="http://schemas.microsoft.com/office/drawing/2014/main" id="{4AF10DFA-6122-C41D-31B4-C148090FB466}"/>
+                <a16:creationId xmlns:a16="http://schemas.microsoft.com/office/drawing/2014/main" id="{5A2778ED-A343-1CEF-E54D-ADC87148600C}"/>
               </a:ext>
             </a:extLst>
           </p:cNvPr>
@@ -450,7 +450,7 @@
           <a:bodyPr/>
           <a:lstStyle/>
           <a:p>
-            <a:fld id="{4DBB58D8-5EA2-44BB-84BD-21BBCE947335}" type="datetimeFigureOut">
+            <a:fld id="{DC489A9E-EC71-4A2A-9C55-3275AFCDE8BF}" type="datetimeFigureOut">
               <a:rPr lang="zh-CN" altLang="en-US" smtClean="0"/>
               <a:t>2024/3/10</a:t>
             </a:fld>
@@ -463,7 +463,7 @@
           <p:cNvPr id="5" name="页脚占位符 4">
             <a:extLst>
               <a:ext uri="{FF2B5EF4-FFF2-40B4-BE49-F238E27FC236}">
-                <a16:creationId xmlns:a16="http://schemas.microsoft.com/office/drawing/2014/main" id="{40667775-5B52-18AC-D37E-971E9CB1278E}"/>
+                <a16:creationId xmlns:a16="http://schemas.microsoft.com/office/drawing/2014/main" id="{DED90985-EA3D-448C-3A59-BB2A1E565591}"/>
               </a:ext>
             </a:extLst>
           </p:cNvPr>
@@ -488,7 +488,7 @@
           <p:cNvPr id="6" name="灯片编号占位符 5">
             <a:extLst>
               <a:ext uri="{FF2B5EF4-FFF2-40B4-BE49-F238E27FC236}">
-                <a16:creationId xmlns:a16="http://schemas.microsoft.com/office/drawing/2014/main" id="{6F94FE5A-AF34-1361-55C9-0B01A2D92AA4}"/>
+                <a16:creationId xmlns:a16="http://schemas.microsoft.com/office/drawing/2014/main" id="{1CA016BC-3B0E-B979-D164-61F9794979C7}"/>
               </a:ext>
             </a:extLst>
           </p:cNvPr>
@@ -504,7 +504,7 @@
           <a:bodyPr/>
           <a:lstStyle/>
           <a:p>
-            <a:fld id="{63F0D2A6-45F1-4D84-A901-9A14B0043A01}" type="slidenum">
+            <a:fld id="{42112FC4-F885-4A55-A3E9-0209B3C2E2D4}" type="slidenum">
               <a:rPr lang="zh-CN" altLang="en-US" smtClean="0"/>
               <a:t>‹#›</a:t>
             </a:fld>
@@ -515,7 +515,7 @@
     </p:spTree>
     <p:extLst>
       <p:ext uri="{BB962C8B-B14F-4D97-AF65-F5344CB8AC3E}">
-        <p14:creationId xmlns:p14="http://schemas.microsoft.com/office/powerpoint/2010/main" val="3212931425"/>
+        <p14:creationId xmlns:p14="http://schemas.microsoft.com/office/powerpoint/2010/main" val="2488379822"/>
       </p:ext>
     </p:extLst>
   </p:cSld>
@@ -547,7 +547,7 @@
           <p:cNvPr id="2" name="竖排标题 1">
             <a:extLst>
               <a:ext uri="{FF2B5EF4-FFF2-40B4-BE49-F238E27FC236}">
-                <a16:creationId xmlns:a16="http://schemas.microsoft.com/office/drawing/2014/main" id="{A33B07B0-444C-BC91-3622-F50939137CCD}"/>
+                <a16:creationId xmlns:a16="http://schemas.microsoft.com/office/drawing/2014/main" id="{C124667C-2C21-DA1A-8EEA-06B5158259BF}"/>
               </a:ext>
             </a:extLst>
           </p:cNvPr>
@@ -580,7 +580,7 @@
           <p:cNvPr id="3" name="竖排文字占位符 2">
             <a:extLst>
               <a:ext uri="{FF2B5EF4-FFF2-40B4-BE49-F238E27FC236}">
-                <a16:creationId xmlns:a16="http://schemas.microsoft.com/office/drawing/2014/main" id="{A3A1C234-FD3A-F63E-D621-C995D8D7E708}"/>
+                <a16:creationId xmlns:a16="http://schemas.microsoft.com/office/drawing/2014/main" id="{C8AA0799-192B-2AD8-995D-B7F22E42FBB0}"/>
               </a:ext>
             </a:extLst>
           </p:cNvPr>
@@ -642,7 +642,7 @@
           <p:cNvPr id="4" name="日期占位符 3">
             <a:extLst>
               <a:ext uri="{FF2B5EF4-FFF2-40B4-BE49-F238E27FC236}">
-                <a16:creationId xmlns:a16="http://schemas.microsoft.com/office/drawing/2014/main" id="{83C00DCB-A19F-E12C-E040-FDD71915EB7E}"/>
+                <a16:creationId xmlns:a16="http://schemas.microsoft.com/office/drawing/2014/main" id="{C1929000-5F3B-5685-C9E6-F5B174B61D10}"/>
               </a:ext>
             </a:extLst>
           </p:cNvPr>
@@ -658,7 +658,7 @@
           <a:bodyPr/>
           <a:lstStyle/>
           <a:p>
-            <a:fld id="{4DBB58D8-5EA2-44BB-84BD-21BBCE947335}" type="datetimeFigureOut">
+            <a:fld id="{DC489A9E-EC71-4A2A-9C55-3275AFCDE8BF}" type="datetimeFigureOut">
               <a:rPr lang="zh-CN" altLang="en-US" smtClean="0"/>
               <a:t>2024/3/10</a:t>
             </a:fld>
@@ -671,7 +671,7 @@
           <p:cNvPr id="5" name="页脚占位符 4">
             <a:extLst>
               <a:ext uri="{FF2B5EF4-FFF2-40B4-BE49-F238E27FC236}">
-                <a16:creationId xmlns:a16="http://schemas.microsoft.com/office/drawing/2014/main" id="{995D3B2C-F2A0-FFFD-5730-C06EECAB1923}"/>
+                <a16:creationId xmlns:a16="http://schemas.microsoft.com/office/drawing/2014/main" id="{3E1A5FB5-2DA3-0407-51BF-EDDD2325DF3B}"/>
               </a:ext>
             </a:extLst>
           </p:cNvPr>
@@ -696,7 +696,7 @@
           <p:cNvPr id="6" name="灯片编号占位符 5">
             <a:extLst>
               <a:ext uri="{FF2B5EF4-FFF2-40B4-BE49-F238E27FC236}">
-                <a16:creationId xmlns:a16="http://schemas.microsoft.com/office/drawing/2014/main" id="{930B0814-4C60-65C4-FE2E-2581D417C5E6}"/>
+                <a16:creationId xmlns:a16="http://schemas.microsoft.com/office/drawing/2014/main" id="{043F8270-138A-3E49-658E-DA63C924A098}"/>
               </a:ext>
             </a:extLst>
           </p:cNvPr>
@@ -712,7 +712,7 @@
           <a:bodyPr/>
           <a:lstStyle/>
           <a:p>
-            <a:fld id="{63F0D2A6-45F1-4D84-A901-9A14B0043A01}" type="slidenum">
+            <a:fld id="{42112FC4-F885-4A55-A3E9-0209B3C2E2D4}" type="slidenum">
               <a:rPr lang="zh-CN" altLang="en-US" smtClean="0"/>
               <a:t>‹#›</a:t>
             </a:fld>
@@ -723,7 +723,7 @@
     </p:spTree>
     <p:extLst>
       <p:ext uri="{BB962C8B-B14F-4D97-AF65-F5344CB8AC3E}">
-        <p14:creationId xmlns:p14="http://schemas.microsoft.com/office/powerpoint/2010/main" val="774902638"/>
+        <p14:creationId xmlns:p14="http://schemas.microsoft.com/office/powerpoint/2010/main" val="3285131082"/>
       </p:ext>
     </p:extLst>
   </p:cSld>
@@ -755,7 +755,7 @@
           <p:cNvPr id="2" name="标题 1">
             <a:extLst>
               <a:ext uri="{FF2B5EF4-FFF2-40B4-BE49-F238E27FC236}">
-                <a16:creationId xmlns:a16="http://schemas.microsoft.com/office/drawing/2014/main" id="{33C9A8D9-BE88-B8AB-419F-49409FD9EAC5}"/>
+                <a16:creationId xmlns:a16="http://schemas.microsoft.com/office/drawing/2014/main" id="{0142FFC6-2BD1-1B75-3620-9DFBC883EDEE}"/>
               </a:ext>
             </a:extLst>
           </p:cNvPr>
@@ -783,7 +783,7 @@
           <p:cNvPr id="3" name="内容占位符 2">
             <a:extLst>
               <a:ext uri="{FF2B5EF4-FFF2-40B4-BE49-F238E27FC236}">
-                <a16:creationId xmlns:a16="http://schemas.microsoft.com/office/drawing/2014/main" id="{A4F55891-F7FD-B5E0-6EF4-B21A3E817616}"/>
+                <a16:creationId xmlns:a16="http://schemas.microsoft.com/office/drawing/2014/main" id="{63AC1C49-EFB4-B789-0CBB-8EE571207EA7}"/>
               </a:ext>
             </a:extLst>
           </p:cNvPr>
@@ -840,7 +840,7 @@
           <p:cNvPr id="4" name="日期占位符 3">
             <a:extLst>
               <a:ext uri="{FF2B5EF4-FFF2-40B4-BE49-F238E27FC236}">
-                <a16:creationId xmlns:a16="http://schemas.microsoft.com/office/drawing/2014/main" id="{48B974F3-419F-62D3-2A87-6699E7A90B04}"/>
+                <a16:creationId xmlns:a16="http://schemas.microsoft.com/office/drawing/2014/main" id="{6B341767-2614-9F61-5A59-218F8F9F3885}"/>
               </a:ext>
             </a:extLst>
           </p:cNvPr>
@@ -856,7 +856,7 @@
           <a:bodyPr/>
           <a:lstStyle/>
           <a:p>
-            <a:fld id="{4DBB58D8-5EA2-44BB-84BD-21BBCE947335}" type="datetimeFigureOut">
+            <a:fld id="{DC489A9E-EC71-4A2A-9C55-3275AFCDE8BF}" type="datetimeFigureOut">
               <a:rPr lang="zh-CN" altLang="en-US" smtClean="0"/>
               <a:t>2024/3/10</a:t>
             </a:fld>
@@ -869,7 +869,7 @@
           <p:cNvPr id="5" name="页脚占位符 4">
             <a:extLst>
               <a:ext uri="{FF2B5EF4-FFF2-40B4-BE49-F238E27FC236}">
-                <a16:creationId xmlns:a16="http://schemas.microsoft.com/office/drawing/2014/main" id="{04D4288C-1D70-F961-9125-5B69DA886D01}"/>
+                <a16:creationId xmlns:a16="http://schemas.microsoft.com/office/drawing/2014/main" id="{3E185F66-EE73-BF3F-7009-DEF2002C17CC}"/>
               </a:ext>
             </a:extLst>
           </p:cNvPr>
@@ -894,7 +894,7 @@
           <p:cNvPr id="6" name="灯片编号占位符 5">
             <a:extLst>
               <a:ext uri="{FF2B5EF4-FFF2-40B4-BE49-F238E27FC236}">
-                <a16:creationId xmlns:a16="http://schemas.microsoft.com/office/drawing/2014/main" id="{C400A1BA-BF07-9F6F-E551-737FFCBF0E43}"/>
+                <a16:creationId xmlns:a16="http://schemas.microsoft.com/office/drawing/2014/main" id="{BB36DF8E-77E8-2CED-6DE2-DBE7E217D0E6}"/>
               </a:ext>
             </a:extLst>
           </p:cNvPr>
@@ -910,7 +910,7 @@
           <a:bodyPr/>
           <a:lstStyle/>
           <a:p>
-            <a:fld id="{63F0D2A6-45F1-4D84-A901-9A14B0043A01}" type="slidenum">
+            <a:fld id="{42112FC4-F885-4A55-A3E9-0209B3C2E2D4}" type="slidenum">
               <a:rPr lang="zh-CN" altLang="en-US" smtClean="0"/>
               <a:t>‹#›</a:t>
             </a:fld>
@@ -921,7 +921,7 @@
     </p:spTree>
     <p:extLst>
       <p:ext uri="{BB962C8B-B14F-4D97-AF65-F5344CB8AC3E}">
-        <p14:creationId xmlns:p14="http://schemas.microsoft.com/office/powerpoint/2010/main" val="2112547508"/>
+        <p14:creationId xmlns:p14="http://schemas.microsoft.com/office/powerpoint/2010/main" val="3986672975"/>
       </p:ext>
     </p:extLst>
   </p:cSld>
@@ -953,7 +953,7 @@
           <p:cNvPr id="2" name="标题 1">
             <a:extLst>
               <a:ext uri="{FF2B5EF4-FFF2-40B4-BE49-F238E27FC236}">
-                <a16:creationId xmlns:a16="http://schemas.microsoft.com/office/drawing/2014/main" id="{2F82AF80-488C-8CBC-2FC2-013D8B00E606}"/>
+                <a16:creationId xmlns:a16="http://schemas.microsoft.com/office/drawing/2014/main" id="{FF9ECB2F-6936-7AF8-6B1F-173C7912A796}"/>
               </a:ext>
             </a:extLst>
           </p:cNvPr>
@@ -990,7 +990,7 @@
           <p:cNvPr id="3" name="文本占位符 2">
             <a:extLst>
               <a:ext uri="{FF2B5EF4-FFF2-40B4-BE49-F238E27FC236}">
-                <a16:creationId xmlns:a16="http://schemas.microsoft.com/office/drawing/2014/main" id="{E51D49BD-2534-7291-A995-81CE8475EFD3}"/>
+                <a16:creationId xmlns:a16="http://schemas.microsoft.com/office/drawing/2014/main" id="{7965B844-89EA-B346-68F7-126AECEA8489}"/>
               </a:ext>
             </a:extLst>
           </p:cNvPr>
@@ -1115,7 +1115,7 @@
           <p:cNvPr id="4" name="日期占位符 3">
             <a:extLst>
               <a:ext uri="{FF2B5EF4-FFF2-40B4-BE49-F238E27FC236}">
-                <a16:creationId xmlns:a16="http://schemas.microsoft.com/office/drawing/2014/main" id="{98E8DBB6-C5CC-D9A4-FF0D-7CEF294F6939}"/>
+                <a16:creationId xmlns:a16="http://schemas.microsoft.com/office/drawing/2014/main" id="{826C9718-6DCD-B2B5-4DA2-48C57772B96B}"/>
               </a:ext>
             </a:extLst>
           </p:cNvPr>
@@ -1131,7 +1131,7 @@
           <a:bodyPr/>
           <a:lstStyle/>
           <a:p>
-            <a:fld id="{4DBB58D8-5EA2-44BB-84BD-21BBCE947335}" type="datetimeFigureOut">
+            <a:fld id="{DC489A9E-EC71-4A2A-9C55-3275AFCDE8BF}" type="datetimeFigureOut">
               <a:rPr lang="zh-CN" altLang="en-US" smtClean="0"/>
               <a:t>2024/3/10</a:t>
             </a:fld>
@@ -1144,7 +1144,7 @@
           <p:cNvPr id="5" name="页脚占位符 4">
             <a:extLst>
               <a:ext uri="{FF2B5EF4-FFF2-40B4-BE49-F238E27FC236}">
-                <a16:creationId xmlns:a16="http://schemas.microsoft.com/office/drawing/2014/main" id="{62679D6D-2C7A-88BD-C783-7452C8B6A4DF}"/>
+                <a16:creationId xmlns:a16="http://schemas.microsoft.com/office/drawing/2014/main" id="{F035D19C-7B80-2DC0-9C69-754FEE52752C}"/>
               </a:ext>
             </a:extLst>
           </p:cNvPr>
@@ -1169,7 +1169,7 @@
           <p:cNvPr id="6" name="灯片编号占位符 5">
             <a:extLst>
               <a:ext uri="{FF2B5EF4-FFF2-40B4-BE49-F238E27FC236}">
-                <a16:creationId xmlns:a16="http://schemas.microsoft.com/office/drawing/2014/main" id="{B42492D1-B0E0-C593-CF21-6966203684D0}"/>
+                <a16:creationId xmlns:a16="http://schemas.microsoft.com/office/drawing/2014/main" id="{EB4C2F54-96B9-8E48-C97E-1CC5FBF3B5F9}"/>
               </a:ext>
             </a:extLst>
           </p:cNvPr>
@@ -1185,7 +1185,7 @@
           <a:bodyPr/>
           <a:lstStyle/>
           <a:p>
-            <a:fld id="{63F0D2A6-45F1-4D84-A901-9A14B0043A01}" type="slidenum">
+            <a:fld id="{42112FC4-F885-4A55-A3E9-0209B3C2E2D4}" type="slidenum">
               <a:rPr lang="zh-CN" altLang="en-US" smtClean="0"/>
               <a:t>‹#›</a:t>
             </a:fld>
@@ -1196,7 +1196,7 @@
     </p:spTree>
     <p:extLst>
       <p:ext uri="{BB962C8B-B14F-4D97-AF65-F5344CB8AC3E}">
-        <p14:creationId xmlns:p14="http://schemas.microsoft.com/office/powerpoint/2010/main" val="3418425236"/>
+        <p14:creationId xmlns:p14="http://schemas.microsoft.com/office/powerpoint/2010/main" val="3270406521"/>
       </p:ext>
     </p:extLst>
   </p:cSld>
@@ -1228,7 +1228,7 @@
           <p:cNvPr id="2" name="标题 1">
             <a:extLst>
               <a:ext uri="{FF2B5EF4-FFF2-40B4-BE49-F238E27FC236}">
-                <a16:creationId xmlns:a16="http://schemas.microsoft.com/office/drawing/2014/main" id="{4BAF535F-82EB-6187-D0BF-6E9069D9BC37}"/>
+                <a16:creationId xmlns:a16="http://schemas.microsoft.com/office/drawing/2014/main" id="{94D5F38B-208B-F42F-4E48-29EF9888A95A}"/>
               </a:ext>
             </a:extLst>
           </p:cNvPr>
@@ -1256,7 +1256,7 @@
           <p:cNvPr id="3" name="内容占位符 2">
             <a:extLst>
               <a:ext uri="{FF2B5EF4-FFF2-40B4-BE49-F238E27FC236}">
-                <a16:creationId xmlns:a16="http://schemas.microsoft.com/office/drawing/2014/main" id="{2C43BB32-6039-3E20-A0B3-6C1DD3381E9C}"/>
+                <a16:creationId xmlns:a16="http://schemas.microsoft.com/office/drawing/2014/main" id="{85B7638D-40F3-C68D-7999-946286ED7E29}"/>
               </a:ext>
             </a:extLst>
           </p:cNvPr>
@@ -1318,7 +1318,7 @@
           <p:cNvPr id="4" name="内容占位符 3">
             <a:extLst>
               <a:ext uri="{FF2B5EF4-FFF2-40B4-BE49-F238E27FC236}">
-                <a16:creationId xmlns:a16="http://schemas.microsoft.com/office/drawing/2014/main" id="{E1D25D4A-1A23-A490-8138-7441C8F1436F}"/>
+                <a16:creationId xmlns:a16="http://schemas.microsoft.com/office/drawing/2014/main" id="{C2633CDC-8D21-5A8A-7859-057B8960757A}"/>
               </a:ext>
             </a:extLst>
           </p:cNvPr>
@@ -1380,7 +1380,7 @@
           <p:cNvPr id="5" name="日期占位符 4">
             <a:extLst>
               <a:ext uri="{FF2B5EF4-FFF2-40B4-BE49-F238E27FC236}">
-                <a16:creationId xmlns:a16="http://schemas.microsoft.com/office/drawing/2014/main" id="{68A20EEC-6B6A-7B81-015C-B856E5A8226E}"/>
+                <a16:creationId xmlns:a16="http://schemas.microsoft.com/office/drawing/2014/main" id="{41AEC643-41E3-2221-9C84-22F1C13C93BC}"/>
               </a:ext>
             </a:extLst>
           </p:cNvPr>
@@ -1396,7 +1396,7 @@
           <a:bodyPr/>
           <a:lstStyle/>
           <a:p>
-            <a:fld id="{4DBB58D8-5EA2-44BB-84BD-21BBCE947335}" type="datetimeFigureOut">
+            <a:fld id="{DC489A9E-EC71-4A2A-9C55-3275AFCDE8BF}" type="datetimeFigureOut">
               <a:rPr lang="zh-CN" altLang="en-US" smtClean="0"/>
               <a:t>2024/3/10</a:t>
             </a:fld>
@@ -1409,7 +1409,7 @@
           <p:cNvPr id="6" name="页脚占位符 5">
             <a:extLst>
               <a:ext uri="{FF2B5EF4-FFF2-40B4-BE49-F238E27FC236}">
-                <a16:creationId xmlns:a16="http://schemas.microsoft.com/office/drawing/2014/main" id="{F9D40C5A-6712-3BB3-BD61-AED2B2767C03}"/>
+                <a16:creationId xmlns:a16="http://schemas.microsoft.com/office/drawing/2014/main" id="{7E6C45C6-B356-7FCF-F182-AE399BDC9726}"/>
               </a:ext>
             </a:extLst>
           </p:cNvPr>
@@ -1434,7 +1434,7 @@
           <p:cNvPr id="7" name="灯片编号占位符 6">
             <a:extLst>
               <a:ext uri="{FF2B5EF4-FFF2-40B4-BE49-F238E27FC236}">
-                <a16:creationId xmlns:a16="http://schemas.microsoft.com/office/drawing/2014/main" id="{660E2C67-B322-4A3B-0021-62A0943179CD}"/>
+                <a16:creationId xmlns:a16="http://schemas.microsoft.com/office/drawing/2014/main" id="{8B146563-0B20-1C0A-6147-9D35AFF28630}"/>
               </a:ext>
             </a:extLst>
           </p:cNvPr>
@@ -1450,7 +1450,7 @@
           <a:bodyPr/>
           <a:lstStyle/>
           <a:p>
-            <a:fld id="{63F0D2A6-45F1-4D84-A901-9A14B0043A01}" type="slidenum">
+            <a:fld id="{42112FC4-F885-4A55-A3E9-0209B3C2E2D4}" type="slidenum">
               <a:rPr lang="zh-CN" altLang="en-US" smtClean="0"/>
               <a:t>‹#›</a:t>
             </a:fld>
@@ -1461,7 +1461,7 @@
     </p:spTree>
     <p:extLst>
       <p:ext uri="{BB962C8B-B14F-4D97-AF65-F5344CB8AC3E}">
-        <p14:creationId xmlns:p14="http://schemas.microsoft.com/office/powerpoint/2010/main" val="2994952746"/>
+        <p14:creationId xmlns:p14="http://schemas.microsoft.com/office/powerpoint/2010/main" val="4112855666"/>
       </p:ext>
     </p:extLst>
   </p:cSld>
@@ -1493,7 +1493,7 @@
           <p:cNvPr id="2" name="标题 1">
             <a:extLst>
               <a:ext uri="{FF2B5EF4-FFF2-40B4-BE49-F238E27FC236}">
-                <a16:creationId xmlns:a16="http://schemas.microsoft.com/office/drawing/2014/main" id="{FB4A988B-DF6A-FCA6-5275-7F46BD18038E}"/>
+                <a16:creationId xmlns:a16="http://schemas.microsoft.com/office/drawing/2014/main" id="{3D8D8FBA-EEA2-0E5C-9AFA-F48E20652C93}"/>
               </a:ext>
             </a:extLst>
           </p:cNvPr>
@@ -1526,7 +1526,7 @@
           <p:cNvPr id="3" name="文本占位符 2">
             <a:extLst>
               <a:ext uri="{FF2B5EF4-FFF2-40B4-BE49-F238E27FC236}">
-                <a16:creationId xmlns:a16="http://schemas.microsoft.com/office/drawing/2014/main" id="{D3B81F65-D2F0-D66C-CD1A-4FE3AA835999}"/>
+                <a16:creationId xmlns:a16="http://schemas.microsoft.com/office/drawing/2014/main" id="{1E33D947-8B9D-6060-7BCA-760F84E36B93}"/>
               </a:ext>
             </a:extLst>
           </p:cNvPr>
@@ -1597,7 +1597,7 @@
           <p:cNvPr id="4" name="内容占位符 3">
             <a:extLst>
               <a:ext uri="{FF2B5EF4-FFF2-40B4-BE49-F238E27FC236}">
-                <a16:creationId xmlns:a16="http://schemas.microsoft.com/office/drawing/2014/main" id="{9B2E73AD-73F2-16EC-F013-C3A69E161DED}"/>
+                <a16:creationId xmlns:a16="http://schemas.microsoft.com/office/drawing/2014/main" id="{0B4AFA26-14ED-06D1-3906-E2AB5467A0A3}"/>
               </a:ext>
             </a:extLst>
           </p:cNvPr>
@@ -1659,7 +1659,7 @@
           <p:cNvPr id="5" name="文本占位符 4">
             <a:extLst>
               <a:ext uri="{FF2B5EF4-FFF2-40B4-BE49-F238E27FC236}">
-                <a16:creationId xmlns:a16="http://schemas.microsoft.com/office/drawing/2014/main" id="{3BEC3AF6-ACF1-E07C-4091-53498BF1AE43}"/>
+                <a16:creationId xmlns:a16="http://schemas.microsoft.com/office/drawing/2014/main" id="{640650CD-38F4-B414-C5D6-2E568D4B6253}"/>
               </a:ext>
             </a:extLst>
           </p:cNvPr>
@@ -1730,7 +1730,7 @@
           <p:cNvPr id="6" name="内容占位符 5">
             <a:extLst>
               <a:ext uri="{FF2B5EF4-FFF2-40B4-BE49-F238E27FC236}">
-                <a16:creationId xmlns:a16="http://schemas.microsoft.com/office/drawing/2014/main" id="{227B4AFE-3991-7A9F-27EE-E007CC7505B5}"/>
+                <a16:creationId xmlns:a16="http://schemas.microsoft.com/office/drawing/2014/main" id="{9B4FAC12-6458-4B51-4424-ACE482A3D1F7}"/>
               </a:ext>
             </a:extLst>
           </p:cNvPr>
@@ -1792,7 +1792,7 @@
           <p:cNvPr id="7" name="日期占位符 6">
             <a:extLst>
               <a:ext uri="{FF2B5EF4-FFF2-40B4-BE49-F238E27FC236}">
-                <a16:creationId xmlns:a16="http://schemas.microsoft.com/office/drawing/2014/main" id="{9254E66A-19A5-264C-A665-3A5358C43E89}"/>
+                <a16:creationId xmlns:a16="http://schemas.microsoft.com/office/drawing/2014/main" id="{AB9819FD-1652-852E-FF13-6A392A08187F}"/>
               </a:ext>
             </a:extLst>
           </p:cNvPr>
@@ -1808,7 +1808,7 @@
           <a:bodyPr/>
           <a:lstStyle/>
           <a:p>
-            <a:fld id="{4DBB58D8-5EA2-44BB-84BD-21BBCE947335}" type="datetimeFigureOut">
+            <a:fld id="{DC489A9E-EC71-4A2A-9C55-3275AFCDE8BF}" type="datetimeFigureOut">
               <a:rPr lang="zh-CN" altLang="en-US" smtClean="0"/>
               <a:t>2024/3/10</a:t>
             </a:fld>
@@ -1821,7 +1821,7 @@
           <p:cNvPr id="8" name="页脚占位符 7">
             <a:extLst>
               <a:ext uri="{FF2B5EF4-FFF2-40B4-BE49-F238E27FC236}">
-                <a16:creationId xmlns:a16="http://schemas.microsoft.com/office/drawing/2014/main" id="{4053A792-397A-FBD4-486B-BC394E09E2B7}"/>
+                <a16:creationId xmlns:a16="http://schemas.microsoft.com/office/drawing/2014/main" id="{09CF033D-7102-5997-8C9A-4CBC71CFEA2E}"/>
               </a:ext>
             </a:extLst>
           </p:cNvPr>
@@ -1846,7 +1846,7 @@
           <p:cNvPr id="9" name="灯片编号占位符 8">
             <a:extLst>
               <a:ext uri="{FF2B5EF4-FFF2-40B4-BE49-F238E27FC236}">
-                <a16:creationId xmlns:a16="http://schemas.microsoft.com/office/drawing/2014/main" id="{0AC27858-FBEC-22F9-191C-A2DA8A3D2EAA}"/>
+                <a16:creationId xmlns:a16="http://schemas.microsoft.com/office/drawing/2014/main" id="{4236D995-A063-6E18-8FD7-1907D7773C24}"/>
               </a:ext>
             </a:extLst>
           </p:cNvPr>
@@ -1862,7 +1862,7 @@
           <a:bodyPr/>
           <a:lstStyle/>
           <a:p>
-            <a:fld id="{63F0D2A6-45F1-4D84-A901-9A14B0043A01}" type="slidenum">
+            <a:fld id="{42112FC4-F885-4A55-A3E9-0209B3C2E2D4}" type="slidenum">
               <a:rPr lang="zh-CN" altLang="en-US" smtClean="0"/>
               <a:t>‹#›</a:t>
             </a:fld>
@@ -1873,7 +1873,7 @@
     </p:spTree>
     <p:extLst>
       <p:ext uri="{BB962C8B-B14F-4D97-AF65-F5344CB8AC3E}">
-        <p14:creationId xmlns:p14="http://schemas.microsoft.com/office/powerpoint/2010/main" val="1383388258"/>
+        <p14:creationId xmlns:p14="http://schemas.microsoft.com/office/powerpoint/2010/main" val="2018911422"/>
       </p:ext>
     </p:extLst>
   </p:cSld>
@@ -1905,7 +1905,7 @@
           <p:cNvPr id="2" name="标题 1">
             <a:extLst>
               <a:ext uri="{FF2B5EF4-FFF2-40B4-BE49-F238E27FC236}">
-                <a16:creationId xmlns:a16="http://schemas.microsoft.com/office/drawing/2014/main" id="{4CABDC8E-38E4-BDE7-870B-262CE3F61293}"/>
+                <a16:creationId xmlns:a16="http://schemas.microsoft.com/office/drawing/2014/main" id="{B79DD1C6-F07F-36DE-DC2F-92735030CA4E}"/>
               </a:ext>
             </a:extLst>
           </p:cNvPr>
@@ -1933,7 +1933,7 @@
           <p:cNvPr id="3" name="日期占位符 2">
             <a:extLst>
               <a:ext uri="{FF2B5EF4-FFF2-40B4-BE49-F238E27FC236}">
-                <a16:creationId xmlns:a16="http://schemas.microsoft.com/office/drawing/2014/main" id="{78D844E6-7FED-DDE2-CB7E-E7D6CE86D6C2}"/>
+                <a16:creationId xmlns:a16="http://schemas.microsoft.com/office/drawing/2014/main" id="{B27C52A1-89A4-6DA0-4735-6CF170A9D90D}"/>
               </a:ext>
             </a:extLst>
           </p:cNvPr>
@@ -1949,7 +1949,7 @@
           <a:bodyPr/>
           <a:lstStyle/>
           <a:p>
-            <a:fld id="{4DBB58D8-5EA2-44BB-84BD-21BBCE947335}" type="datetimeFigureOut">
+            <a:fld id="{DC489A9E-EC71-4A2A-9C55-3275AFCDE8BF}" type="datetimeFigureOut">
               <a:rPr lang="zh-CN" altLang="en-US" smtClean="0"/>
               <a:t>2024/3/10</a:t>
             </a:fld>
@@ -1962,7 +1962,7 @@
           <p:cNvPr id="4" name="页脚占位符 3">
             <a:extLst>
               <a:ext uri="{FF2B5EF4-FFF2-40B4-BE49-F238E27FC236}">
-                <a16:creationId xmlns:a16="http://schemas.microsoft.com/office/drawing/2014/main" id="{367F2598-0C14-3C80-117C-BA8FF71DC12D}"/>
+                <a16:creationId xmlns:a16="http://schemas.microsoft.com/office/drawing/2014/main" id="{219E564E-B21A-803E-761E-8F098654B957}"/>
               </a:ext>
             </a:extLst>
           </p:cNvPr>
@@ -1987,7 +1987,7 @@
           <p:cNvPr id="5" name="灯片编号占位符 4">
             <a:extLst>
               <a:ext uri="{FF2B5EF4-FFF2-40B4-BE49-F238E27FC236}">
-                <a16:creationId xmlns:a16="http://schemas.microsoft.com/office/drawing/2014/main" id="{17AE42AC-293F-5DE0-C753-130E29EF25F5}"/>
+                <a16:creationId xmlns:a16="http://schemas.microsoft.com/office/drawing/2014/main" id="{7BF5D90E-92E9-D052-6F3C-20FA2CC4783B}"/>
               </a:ext>
             </a:extLst>
           </p:cNvPr>
@@ -2003,7 +2003,7 @@
           <a:bodyPr/>
           <a:lstStyle/>
           <a:p>
-            <a:fld id="{63F0D2A6-45F1-4D84-A901-9A14B0043A01}" type="slidenum">
+            <a:fld id="{42112FC4-F885-4A55-A3E9-0209B3C2E2D4}" type="slidenum">
               <a:rPr lang="zh-CN" altLang="en-US" smtClean="0"/>
               <a:t>‹#›</a:t>
             </a:fld>
@@ -2014,7 +2014,7 @@
     </p:spTree>
     <p:extLst>
       <p:ext uri="{BB962C8B-B14F-4D97-AF65-F5344CB8AC3E}">
-        <p14:creationId xmlns:p14="http://schemas.microsoft.com/office/powerpoint/2010/main" val="4036353171"/>
+        <p14:creationId xmlns:p14="http://schemas.microsoft.com/office/powerpoint/2010/main" val="57352825"/>
       </p:ext>
     </p:extLst>
   </p:cSld>
@@ -2046,7 +2046,7 @@
           <p:cNvPr id="2" name="日期占位符 1">
             <a:extLst>
               <a:ext uri="{FF2B5EF4-FFF2-40B4-BE49-F238E27FC236}">
-                <a16:creationId xmlns:a16="http://schemas.microsoft.com/office/drawing/2014/main" id="{02661AFC-2BF7-190B-3022-6AFDFED14E49}"/>
+                <a16:creationId xmlns:a16="http://schemas.microsoft.com/office/drawing/2014/main" id="{2ADAD896-2F22-9BA8-35BD-416D990D5BB1}"/>
               </a:ext>
             </a:extLst>
           </p:cNvPr>
@@ -2062,7 +2062,7 @@
           <a:bodyPr/>
           <a:lstStyle/>
           <a:p>
-            <a:fld id="{4DBB58D8-5EA2-44BB-84BD-21BBCE947335}" type="datetimeFigureOut">
+            <a:fld id="{DC489A9E-EC71-4A2A-9C55-3275AFCDE8BF}" type="datetimeFigureOut">
               <a:rPr lang="zh-CN" altLang="en-US" smtClean="0"/>
               <a:t>2024/3/10</a:t>
             </a:fld>
@@ -2075,7 +2075,7 @@
           <p:cNvPr id="3" name="页脚占位符 2">
             <a:extLst>
               <a:ext uri="{FF2B5EF4-FFF2-40B4-BE49-F238E27FC236}">
-                <a16:creationId xmlns:a16="http://schemas.microsoft.com/office/drawing/2014/main" id="{E6257B61-1047-FEE7-013E-5FEBAA011EA8}"/>
+                <a16:creationId xmlns:a16="http://schemas.microsoft.com/office/drawing/2014/main" id="{4124C4D7-8D61-7B8F-FBE6-9AF09AD9FD52}"/>
               </a:ext>
             </a:extLst>
           </p:cNvPr>
@@ -2100,7 +2100,7 @@
           <p:cNvPr id="4" name="灯片编号占位符 3">
             <a:extLst>
               <a:ext uri="{FF2B5EF4-FFF2-40B4-BE49-F238E27FC236}">
-                <a16:creationId xmlns:a16="http://schemas.microsoft.com/office/drawing/2014/main" id="{BE7435DB-3F3E-FB28-1E5F-BBA84EC34CB0}"/>
+                <a16:creationId xmlns:a16="http://schemas.microsoft.com/office/drawing/2014/main" id="{61DE18CC-A5A9-0B7F-8B41-E2348B8F6722}"/>
               </a:ext>
             </a:extLst>
           </p:cNvPr>
@@ -2116,7 +2116,7 @@
           <a:bodyPr/>
           <a:lstStyle/>
           <a:p>
-            <a:fld id="{63F0D2A6-45F1-4D84-A901-9A14B0043A01}" type="slidenum">
+            <a:fld id="{42112FC4-F885-4A55-A3E9-0209B3C2E2D4}" type="slidenum">
               <a:rPr lang="zh-CN" altLang="en-US" smtClean="0"/>
               <a:t>‹#›</a:t>
             </a:fld>
@@ -2127,7 +2127,7 @@
     </p:spTree>
     <p:extLst>
       <p:ext uri="{BB962C8B-B14F-4D97-AF65-F5344CB8AC3E}">
-        <p14:creationId xmlns:p14="http://schemas.microsoft.com/office/powerpoint/2010/main" val="4062282100"/>
+        <p14:creationId xmlns:p14="http://schemas.microsoft.com/office/powerpoint/2010/main" val="1096881247"/>
       </p:ext>
     </p:extLst>
   </p:cSld>
@@ -2159,7 +2159,7 @@
           <p:cNvPr id="2" name="标题 1">
             <a:extLst>
               <a:ext uri="{FF2B5EF4-FFF2-40B4-BE49-F238E27FC236}">
-                <a16:creationId xmlns:a16="http://schemas.microsoft.com/office/drawing/2014/main" id="{DD355E40-2862-7CE3-6142-877D5E85CD38}"/>
+                <a16:creationId xmlns:a16="http://schemas.microsoft.com/office/drawing/2014/main" id="{A7291682-E2AB-DFAC-43E4-CBE0B86E517B}"/>
               </a:ext>
             </a:extLst>
           </p:cNvPr>
@@ -2196,7 +2196,7 @@
           <p:cNvPr id="3" name="内容占位符 2">
             <a:extLst>
               <a:ext uri="{FF2B5EF4-FFF2-40B4-BE49-F238E27FC236}">
-                <a16:creationId xmlns:a16="http://schemas.microsoft.com/office/drawing/2014/main" id="{B7A31D3B-D89F-ACA3-C46A-866A587B2497}"/>
+                <a16:creationId xmlns:a16="http://schemas.microsoft.com/office/drawing/2014/main" id="{F01B3661-66F3-BA01-72BD-B528AA1C645E}"/>
               </a:ext>
             </a:extLst>
           </p:cNvPr>
@@ -2286,7 +2286,7 @@
           <p:cNvPr id="4" name="文本占位符 3">
             <a:extLst>
               <a:ext uri="{FF2B5EF4-FFF2-40B4-BE49-F238E27FC236}">
-                <a16:creationId xmlns:a16="http://schemas.microsoft.com/office/drawing/2014/main" id="{12AB3637-A7C2-4E52-A4A9-314E6797120B}"/>
+                <a16:creationId xmlns:a16="http://schemas.microsoft.com/office/drawing/2014/main" id="{C6056954-122E-259A-DA88-970564DF7245}"/>
               </a:ext>
             </a:extLst>
           </p:cNvPr>
@@ -2357,7 +2357,7 @@
           <p:cNvPr id="5" name="日期占位符 4">
             <a:extLst>
               <a:ext uri="{FF2B5EF4-FFF2-40B4-BE49-F238E27FC236}">
-                <a16:creationId xmlns:a16="http://schemas.microsoft.com/office/drawing/2014/main" id="{E88DDB71-7B67-B342-46A2-F06C13936499}"/>
+                <a16:creationId xmlns:a16="http://schemas.microsoft.com/office/drawing/2014/main" id="{9F6911CA-4333-9731-EDD9-F5A9AB9CBBA0}"/>
               </a:ext>
             </a:extLst>
           </p:cNvPr>
@@ -2373,7 +2373,7 @@
           <a:bodyPr/>
           <a:lstStyle/>
           <a:p>
-            <a:fld id="{4DBB58D8-5EA2-44BB-84BD-21BBCE947335}" type="datetimeFigureOut">
+            <a:fld id="{DC489A9E-EC71-4A2A-9C55-3275AFCDE8BF}" type="datetimeFigureOut">
               <a:rPr lang="zh-CN" altLang="en-US" smtClean="0"/>
               <a:t>2024/3/10</a:t>
             </a:fld>
@@ -2386,7 +2386,7 @@
           <p:cNvPr id="6" name="页脚占位符 5">
             <a:extLst>
               <a:ext uri="{FF2B5EF4-FFF2-40B4-BE49-F238E27FC236}">
-                <a16:creationId xmlns:a16="http://schemas.microsoft.com/office/drawing/2014/main" id="{9E329B6E-E197-B186-2C97-BDAA81243AD1}"/>
+                <a16:creationId xmlns:a16="http://schemas.microsoft.com/office/drawing/2014/main" id="{696AC76C-BEE6-362D-A958-04C3096740F3}"/>
               </a:ext>
             </a:extLst>
           </p:cNvPr>
@@ -2411,7 +2411,7 @@
           <p:cNvPr id="7" name="灯片编号占位符 6">
             <a:extLst>
               <a:ext uri="{FF2B5EF4-FFF2-40B4-BE49-F238E27FC236}">
-                <a16:creationId xmlns:a16="http://schemas.microsoft.com/office/drawing/2014/main" id="{2FC8DD49-0FF2-4B1E-9E4D-F3CD4F5990B5}"/>
+                <a16:creationId xmlns:a16="http://schemas.microsoft.com/office/drawing/2014/main" id="{B4DC8471-D5C6-56EE-730E-F60D61A2E848}"/>
               </a:ext>
             </a:extLst>
           </p:cNvPr>
@@ -2427,7 +2427,7 @@
           <a:bodyPr/>
           <a:lstStyle/>
           <a:p>
-            <a:fld id="{63F0D2A6-45F1-4D84-A901-9A14B0043A01}" type="slidenum">
+            <a:fld id="{42112FC4-F885-4A55-A3E9-0209B3C2E2D4}" type="slidenum">
               <a:rPr lang="zh-CN" altLang="en-US" smtClean="0"/>
               <a:t>‹#›</a:t>
             </a:fld>
@@ -2438,7 +2438,7 @@
     </p:spTree>
     <p:extLst>
       <p:ext uri="{BB962C8B-B14F-4D97-AF65-F5344CB8AC3E}">
-        <p14:creationId xmlns:p14="http://schemas.microsoft.com/office/powerpoint/2010/main" val="3909283174"/>
+        <p14:creationId xmlns:p14="http://schemas.microsoft.com/office/powerpoint/2010/main" val="1799373781"/>
       </p:ext>
     </p:extLst>
   </p:cSld>
@@ -2470,7 +2470,7 @@
           <p:cNvPr id="2" name="标题 1">
             <a:extLst>
               <a:ext uri="{FF2B5EF4-FFF2-40B4-BE49-F238E27FC236}">
-                <a16:creationId xmlns:a16="http://schemas.microsoft.com/office/drawing/2014/main" id="{7BB0E8B9-A169-AF1A-ECBF-03C275F45DA8}"/>
+                <a16:creationId xmlns:a16="http://schemas.microsoft.com/office/drawing/2014/main" id="{B86C2522-827B-FA20-32AC-BEF8BF2ABED9}"/>
               </a:ext>
             </a:extLst>
           </p:cNvPr>
@@ -2507,7 +2507,7 @@
           <p:cNvPr id="3" name="图片占位符 2">
             <a:extLst>
               <a:ext uri="{FF2B5EF4-FFF2-40B4-BE49-F238E27FC236}">
-                <a16:creationId xmlns:a16="http://schemas.microsoft.com/office/drawing/2014/main" id="{70095F38-8CB5-0EBE-D757-C62A48FA06A9}"/>
+                <a16:creationId xmlns:a16="http://schemas.microsoft.com/office/drawing/2014/main" id="{6A334411-EA91-B767-8FED-0EEECB2D893B}"/>
               </a:ext>
             </a:extLst>
           </p:cNvPr>
@@ -2574,7 +2574,7 @@
           <p:cNvPr id="4" name="文本占位符 3">
             <a:extLst>
               <a:ext uri="{FF2B5EF4-FFF2-40B4-BE49-F238E27FC236}">
-                <a16:creationId xmlns:a16="http://schemas.microsoft.com/office/drawing/2014/main" id="{F4C059A5-FBE2-7B3B-7CAB-6FE441F53841}"/>
+                <a16:creationId xmlns:a16="http://schemas.microsoft.com/office/drawing/2014/main" id="{09E503A4-4EDF-A944-22D4-7BEEF29BDD9E}"/>
               </a:ext>
             </a:extLst>
           </p:cNvPr>
@@ -2645,7 +2645,7 @@
           <p:cNvPr id="5" name="日期占位符 4">
             <a:extLst>
               <a:ext uri="{FF2B5EF4-FFF2-40B4-BE49-F238E27FC236}">
-                <a16:creationId xmlns:a16="http://schemas.microsoft.com/office/drawing/2014/main" id="{10961A43-4742-3F3C-1823-2D216FD53A66}"/>
+                <a16:creationId xmlns:a16="http://schemas.microsoft.com/office/drawing/2014/main" id="{10F0FB3F-6CB4-297A-B2DF-CE48999B6A84}"/>
               </a:ext>
             </a:extLst>
           </p:cNvPr>
@@ -2661,7 +2661,7 @@
           <a:bodyPr/>
           <a:lstStyle/>
           <a:p>
-            <a:fld id="{4DBB58D8-5EA2-44BB-84BD-21BBCE947335}" type="datetimeFigureOut">
+            <a:fld id="{DC489A9E-EC71-4A2A-9C55-3275AFCDE8BF}" type="datetimeFigureOut">
               <a:rPr lang="zh-CN" altLang="en-US" smtClean="0"/>
               <a:t>2024/3/10</a:t>
             </a:fld>
@@ -2674,7 +2674,7 @@
           <p:cNvPr id="6" name="页脚占位符 5">
             <a:extLst>
               <a:ext uri="{FF2B5EF4-FFF2-40B4-BE49-F238E27FC236}">
-                <a16:creationId xmlns:a16="http://schemas.microsoft.com/office/drawing/2014/main" id="{48A7A732-0B76-1B26-5BC1-1BFD42D3B7C4}"/>
+                <a16:creationId xmlns:a16="http://schemas.microsoft.com/office/drawing/2014/main" id="{16B1B3E3-1B25-0877-F63F-9CEB8943C8F8}"/>
               </a:ext>
             </a:extLst>
           </p:cNvPr>
@@ -2699,7 +2699,7 @@
           <p:cNvPr id="7" name="灯片编号占位符 6">
             <a:extLst>
               <a:ext uri="{FF2B5EF4-FFF2-40B4-BE49-F238E27FC236}">
-                <a16:creationId xmlns:a16="http://schemas.microsoft.com/office/drawing/2014/main" id="{625808E5-89F3-DF89-9041-A7EE5CC4E4F1}"/>
+                <a16:creationId xmlns:a16="http://schemas.microsoft.com/office/drawing/2014/main" id="{CB19EA89-AF66-05FB-0148-B57290F7CAED}"/>
               </a:ext>
             </a:extLst>
           </p:cNvPr>
@@ -2715,7 +2715,7 @@
           <a:bodyPr/>
           <a:lstStyle/>
           <a:p>
-            <a:fld id="{63F0D2A6-45F1-4D84-A901-9A14B0043A01}" type="slidenum">
+            <a:fld id="{42112FC4-F885-4A55-A3E9-0209B3C2E2D4}" type="slidenum">
               <a:rPr lang="zh-CN" altLang="en-US" smtClean="0"/>
               <a:t>‹#›</a:t>
             </a:fld>
@@ -2726,7 +2726,7 @@
     </p:spTree>
     <p:extLst>
       <p:ext uri="{BB962C8B-B14F-4D97-AF65-F5344CB8AC3E}">
-        <p14:creationId xmlns:p14="http://schemas.microsoft.com/office/powerpoint/2010/main" val="1292388168"/>
+        <p14:creationId xmlns:p14="http://schemas.microsoft.com/office/powerpoint/2010/main" val="376359780"/>
       </p:ext>
     </p:extLst>
   </p:cSld>
@@ -2763,7 +2763,7 @@
           <p:cNvPr id="2" name="标题占位符 1">
             <a:extLst>
               <a:ext uri="{FF2B5EF4-FFF2-40B4-BE49-F238E27FC236}">
-                <a16:creationId xmlns:a16="http://schemas.microsoft.com/office/drawing/2014/main" id="{170F69D8-0199-4BC7-F281-4414A93D8ED9}"/>
+                <a16:creationId xmlns:a16="http://schemas.microsoft.com/office/drawing/2014/main" id="{C82BA6A2-C581-4CD0-5164-F0B5123D792C}"/>
               </a:ext>
             </a:extLst>
           </p:cNvPr>
@@ -2801,7 +2801,7 @@
           <p:cNvPr id="3" name="文本占位符 2">
             <a:extLst>
               <a:ext uri="{FF2B5EF4-FFF2-40B4-BE49-F238E27FC236}">
-                <a16:creationId xmlns:a16="http://schemas.microsoft.com/office/drawing/2014/main" id="{8A4E8EEB-1B70-13CF-E247-CF5BEA2914EC}"/>
+                <a16:creationId xmlns:a16="http://schemas.microsoft.com/office/drawing/2014/main" id="{B0EAF5DC-77E2-FF03-B7AA-97F037731AA8}"/>
               </a:ext>
             </a:extLst>
           </p:cNvPr>
@@ -2868,7 +2868,7 @@
           <p:cNvPr id="4" name="日期占位符 3">
             <a:extLst>
               <a:ext uri="{FF2B5EF4-FFF2-40B4-BE49-F238E27FC236}">
-                <a16:creationId xmlns:a16="http://schemas.microsoft.com/office/drawing/2014/main" id="{017FCFD2-5B0C-C06A-08E6-1451B4DD7E68}"/>
+                <a16:creationId xmlns:a16="http://schemas.microsoft.com/office/drawing/2014/main" id="{A8D52D72-B5D6-D9A8-D19E-F3F6AF8C2B4E}"/>
               </a:ext>
             </a:extLst>
           </p:cNvPr>
@@ -2902,7 +2902,7 @@
             </a:lvl1pPr>
           </a:lstStyle>
           <a:p>
-            <a:fld id="{4DBB58D8-5EA2-44BB-84BD-21BBCE947335}" type="datetimeFigureOut">
+            <a:fld id="{DC489A9E-EC71-4A2A-9C55-3275AFCDE8BF}" type="datetimeFigureOut">
               <a:rPr lang="zh-CN" altLang="en-US" smtClean="0"/>
               <a:t>2024/3/10</a:t>
             </a:fld>
@@ -2915,7 +2915,7 @@
           <p:cNvPr id="5" name="页脚占位符 4">
             <a:extLst>
               <a:ext uri="{FF2B5EF4-FFF2-40B4-BE49-F238E27FC236}">
-                <a16:creationId xmlns:a16="http://schemas.microsoft.com/office/drawing/2014/main" id="{1C2B10D2-75D9-39FA-0756-9B81BF6B6FFC}"/>
+                <a16:creationId xmlns:a16="http://schemas.microsoft.com/office/drawing/2014/main" id="{25C1393B-064C-646D-D514-9BA75659F04B}"/>
               </a:ext>
             </a:extLst>
           </p:cNvPr>
@@ -2958,7 +2958,7 @@
           <p:cNvPr id="6" name="灯片编号占位符 5">
             <a:extLst>
               <a:ext uri="{FF2B5EF4-FFF2-40B4-BE49-F238E27FC236}">
-                <a16:creationId xmlns:a16="http://schemas.microsoft.com/office/drawing/2014/main" id="{73C5DD57-33AD-6343-3B67-D432C7AE6AC3}"/>
+                <a16:creationId xmlns:a16="http://schemas.microsoft.com/office/drawing/2014/main" id="{AAAD733A-0B08-5C3D-1C8A-B111B0AD0738}"/>
               </a:ext>
             </a:extLst>
           </p:cNvPr>
@@ -2992,7 +2992,7 @@
             </a:lvl1pPr>
           </a:lstStyle>
           <a:p>
-            <a:fld id="{63F0D2A6-45F1-4D84-A901-9A14B0043A01}" type="slidenum">
+            <a:fld id="{42112FC4-F885-4A55-A3E9-0209B3C2E2D4}" type="slidenum">
               <a:rPr lang="zh-CN" altLang="en-US" smtClean="0"/>
               <a:t>‹#›</a:t>
             </a:fld>
@@ -3003,7 +3003,7 @@
     </p:spTree>
     <p:extLst>
       <p:ext uri="{BB962C8B-B14F-4D97-AF65-F5344CB8AC3E}">
-        <p14:creationId xmlns:p14="http://schemas.microsoft.com/office/powerpoint/2010/main" val="1836192139"/>
+        <p14:creationId xmlns:p14="http://schemas.microsoft.com/office/powerpoint/2010/main" val="2556723006"/>
       </p:ext>
     </p:extLst>
   </p:cSld>
